--- a/workspace/graphics.pptx
+++ b/workspace/graphics.pptx
@@ -255,7 +255,7 @@
           <a:p>
             <a:fld id="{BDE6B29A-3B0B-4CF2-A9D6-582E4DDF12B3}" type="datetimeFigureOut">
               <a:rPr kumimoji="1" lang="ja-JP" altLang="en-US" smtClean="0"/>
-              <a:t>2016/5/3</a:t>
+              <a:t>2016/5/4</a:t>
             </a:fld>
             <a:endParaRPr kumimoji="1" lang="ja-JP" altLang="en-US"/>
           </a:p>
@@ -457,7 +457,7 @@
           <a:p>
             <a:fld id="{BDE6B29A-3B0B-4CF2-A9D6-582E4DDF12B3}" type="datetimeFigureOut">
               <a:rPr kumimoji="1" lang="ja-JP" altLang="en-US" smtClean="0"/>
-              <a:t>2016/5/3</a:t>
+              <a:t>2016/5/4</a:t>
             </a:fld>
             <a:endParaRPr kumimoji="1" lang="ja-JP" altLang="en-US"/>
           </a:p>
@@ -669,7 +669,7 @@
           <a:p>
             <a:fld id="{BDE6B29A-3B0B-4CF2-A9D6-582E4DDF12B3}" type="datetimeFigureOut">
               <a:rPr kumimoji="1" lang="ja-JP" altLang="en-US" smtClean="0"/>
-              <a:t>2016/5/3</a:t>
+              <a:t>2016/5/4</a:t>
             </a:fld>
             <a:endParaRPr kumimoji="1" lang="ja-JP" altLang="en-US"/>
           </a:p>
@@ -871,7 +871,7 @@
           <a:p>
             <a:fld id="{BDE6B29A-3B0B-4CF2-A9D6-582E4DDF12B3}" type="datetimeFigureOut">
               <a:rPr kumimoji="1" lang="ja-JP" altLang="en-US" smtClean="0"/>
-              <a:t>2016/5/3</a:t>
+              <a:t>2016/5/4</a:t>
             </a:fld>
             <a:endParaRPr kumimoji="1" lang="ja-JP" altLang="en-US"/>
           </a:p>
@@ -1117,7 +1117,7 @@
           <a:p>
             <a:fld id="{BDE6B29A-3B0B-4CF2-A9D6-582E4DDF12B3}" type="datetimeFigureOut">
               <a:rPr kumimoji="1" lang="ja-JP" altLang="en-US" smtClean="0"/>
-              <a:t>2016/5/3</a:t>
+              <a:t>2016/5/4</a:t>
             </a:fld>
             <a:endParaRPr kumimoji="1" lang="ja-JP" altLang="en-US"/>
           </a:p>
@@ -1413,7 +1413,7 @@
           <a:p>
             <a:fld id="{BDE6B29A-3B0B-4CF2-A9D6-582E4DDF12B3}" type="datetimeFigureOut">
               <a:rPr kumimoji="1" lang="ja-JP" altLang="en-US" smtClean="0"/>
-              <a:t>2016/5/3</a:t>
+              <a:t>2016/5/4</a:t>
             </a:fld>
             <a:endParaRPr kumimoji="1" lang="ja-JP" altLang="en-US"/>
           </a:p>
@@ -1844,7 +1844,7 @@
           <a:p>
             <a:fld id="{BDE6B29A-3B0B-4CF2-A9D6-582E4DDF12B3}" type="datetimeFigureOut">
               <a:rPr kumimoji="1" lang="ja-JP" altLang="en-US" smtClean="0"/>
-              <a:t>2016/5/3</a:t>
+              <a:t>2016/5/4</a:t>
             </a:fld>
             <a:endParaRPr kumimoji="1" lang="ja-JP" altLang="en-US"/>
           </a:p>
@@ -1962,7 +1962,7 @@
           <a:p>
             <a:fld id="{BDE6B29A-3B0B-4CF2-A9D6-582E4DDF12B3}" type="datetimeFigureOut">
               <a:rPr kumimoji="1" lang="ja-JP" altLang="en-US" smtClean="0"/>
-              <a:t>2016/5/3</a:t>
+              <a:t>2016/5/4</a:t>
             </a:fld>
             <a:endParaRPr kumimoji="1" lang="ja-JP" altLang="en-US"/>
           </a:p>
@@ -2057,7 +2057,7 @@
           <a:p>
             <a:fld id="{BDE6B29A-3B0B-4CF2-A9D6-582E4DDF12B3}" type="datetimeFigureOut">
               <a:rPr kumimoji="1" lang="ja-JP" altLang="en-US" smtClean="0"/>
-              <a:t>2016/5/3</a:t>
+              <a:t>2016/5/4</a:t>
             </a:fld>
             <a:endParaRPr kumimoji="1" lang="ja-JP" altLang="en-US"/>
           </a:p>
@@ -2366,7 +2366,7 @@
           <a:p>
             <a:fld id="{BDE6B29A-3B0B-4CF2-A9D6-582E4DDF12B3}" type="datetimeFigureOut">
               <a:rPr kumimoji="1" lang="ja-JP" altLang="en-US" smtClean="0"/>
-              <a:t>2016/5/3</a:t>
+              <a:t>2016/5/4</a:t>
             </a:fld>
             <a:endParaRPr kumimoji="1" lang="ja-JP" altLang="en-US"/>
           </a:p>
@@ -2619,7 +2619,7 @@
           <a:p>
             <a:fld id="{BDE6B29A-3B0B-4CF2-A9D6-582E4DDF12B3}" type="datetimeFigureOut">
               <a:rPr kumimoji="1" lang="ja-JP" altLang="en-US" smtClean="0"/>
-              <a:t>2016/5/3</a:t>
+              <a:t>2016/5/4</a:t>
             </a:fld>
             <a:endParaRPr kumimoji="1" lang="ja-JP" altLang="en-US"/>
           </a:p>
@@ -2864,7 +2864,7 @@
           <a:p>
             <a:fld id="{BDE6B29A-3B0B-4CF2-A9D6-582E4DDF12B3}" type="datetimeFigureOut">
               <a:rPr kumimoji="1" lang="ja-JP" altLang="en-US" smtClean="0"/>
-              <a:t>2016/5/3</a:t>
+              <a:t>2016/5/4</a:t>
             </a:fld>
             <a:endParaRPr kumimoji="1" lang="ja-JP" altLang="en-US"/>
           </a:p>
@@ -3529,6 +3529,48 @@
           </a:p>
         </p:txBody>
       </p:sp>
+      <p:cxnSp>
+        <p:nvCxnSpPr>
+          <p:cNvPr id="3" name="直線コネクタ 2"/>
+          <p:cNvCxnSpPr/>
+          <p:nvPr/>
+        </p:nvCxnSpPr>
+        <p:spPr>
+          <a:xfrm>
+            <a:off x="11283325" y="1132115"/>
+            <a:ext cx="36000" cy="5400000"/>
+          </a:xfrm>
+          <a:prstGeom prst="line">
+            <a:avLst/>
+          </a:prstGeom>
+          <a:ln w="190500">
+            <a:solidFill>
+              <a:srgbClr val="FFFF00"/>
+            </a:solidFill>
+          </a:ln>
+          <a:scene3d>
+            <a:camera prst="orthographicFront"/>
+            <a:lightRig rig="threePt" dir="t"/>
+          </a:scene3d>
+          <a:sp3d>
+            <a:bevelT prst="angle"/>
+          </a:sp3d>
+        </p:spPr>
+        <p:style>
+          <a:lnRef idx="1">
+            <a:schemeClr val="accent1"/>
+          </a:lnRef>
+          <a:fillRef idx="0">
+            <a:schemeClr val="accent1"/>
+          </a:fillRef>
+          <a:effectRef idx="0">
+            <a:schemeClr val="accent1"/>
+          </a:effectRef>
+          <a:fontRef idx="minor">
+            <a:schemeClr val="tx1"/>
+          </a:fontRef>
+        </p:style>
+      </p:cxnSp>
     </p:spTree>
     <p:extLst>
       <p:ext uri="{BB962C8B-B14F-4D97-AF65-F5344CB8AC3E}">
@@ -3639,6 +3681,48 @@
           </a:p>
         </p:txBody>
       </p:sp>
+      <p:cxnSp>
+        <p:nvCxnSpPr>
+          <p:cNvPr id="4" name="直線コネクタ 3"/>
+          <p:cNvCxnSpPr/>
+          <p:nvPr/>
+        </p:nvCxnSpPr>
+        <p:spPr>
+          <a:xfrm>
+            <a:off x="5390474" y="731520"/>
+            <a:ext cx="5400000" cy="0"/>
+          </a:xfrm>
+          <a:prstGeom prst="line">
+            <a:avLst/>
+          </a:prstGeom>
+          <a:ln w="190500">
+            <a:solidFill>
+              <a:srgbClr val="FFFF00"/>
+            </a:solidFill>
+          </a:ln>
+          <a:scene3d>
+            <a:camera prst="orthographicFront"/>
+            <a:lightRig rig="threePt" dir="t"/>
+          </a:scene3d>
+          <a:sp3d>
+            <a:bevelT prst="angle"/>
+          </a:sp3d>
+        </p:spPr>
+        <p:style>
+          <a:lnRef idx="1">
+            <a:schemeClr val="accent1"/>
+          </a:lnRef>
+          <a:fillRef idx="0">
+            <a:schemeClr val="accent1"/>
+          </a:fillRef>
+          <a:effectRef idx="0">
+            <a:schemeClr val="accent1"/>
+          </a:effectRef>
+          <a:fontRef idx="minor">
+            <a:schemeClr val="tx1"/>
+          </a:fontRef>
+        </p:style>
+      </p:cxnSp>
     </p:spTree>
     <p:extLst>
       <p:ext uri="{BB962C8B-B14F-4D97-AF65-F5344CB8AC3E}">

--- a/workspace/graphics.pptx
+++ b/workspace/graphics.pptx
@@ -7,6 +7,7 @@
   <p:sldIdLst>
     <p:sldId id="256" r:id="rId2"/>
     <p:sldId id="257" r:id="rId3"/>
+    <p:sldId id="258" r:id="rId4"/>
   </p:sldIdLst>
   <p:sldSz cx="12192000" cy="6858000"/>
   <p:notesSz cx="6858000" cy="9144000"/>
@@ -255,7 +256,7 @@
           <a:p>
             <a:fld id="{BDE6B29A-3B0B-4CF2-A9D6-582E4DDF12B3}" type="datetimeFigureOut">
               <a:rPr kumimoji="1" lang="ja-JP" altLang="en-US" smtClean="0"/>
-              <a:t>2016/5/4</a:t>
+              <a:t>2016/5/6</a:t>
             </a:fld>
             <a:endParaRPr kumimoji="1" lang="ja-JP" altLang="en-US"/>
           </a:p>
@@ -457,7 +458,7 @@
           <a:p>
             <a:fld id="{BDE6B29A-3B0B-4CF2-A9D6-582E4DDF12B3}" type="datetimeFigureOut">
               <a:rPr kumimoji="1" lang="ja-JP" altLang="en-US" smtClean="0"/>
-              <a:t>2016/5/4</a:t>
+              <a:t>2016/5/6</a:t>
             </a:fld>
             <a:endParaRPr kumimoji="1" lang="ja-JP" altLang="en-US"/>
           </a:p>
@@ -669,7 +670,7 @@
           <a:p>
             <a:fld id="{BDE6B29A-3B0B-4CF2-A9D6-582E4DDF12B3}" type="datetimeFigureOut">
               <a:rPr kumimoji="1" lang="ja-JP" altLang="en-US" smtClean="0"/>
-              <a:t>2016/5/4</a:t>
+              <a:t>2016/5/6</a:t>
             </a:fld>
             <a:endParaRPr kumimoji="1" lang="ja-JP" altLang="en-US"/>
           </a:p>
@@ -871,7 +872,7 @@
           <a:p>
             <a:fld id="{BDE6B29A-3B0B-4CF2-A9D6-582E4DDF12B3}" type="datetimeFigureOut">
               <a:rPr kumimoji="1" lang="ja-JP" altLang="en-US" smtClean="0"/>
-              <a:t>2016/5/4</a:t>
+              <a:t>2016/5/6</a:t>
             </a:fld>
             <a:endParaRPr kumimoji="1" lang="ja-JP" altLang="en-US"/>
           </a:p>
@@ -1117,7 +1118,7 @@
           <a:p>
             <a:fld id="{BDE6B29A-3B0B-4CF2-A9D6-582E4DDF12B3}" type="datetimeFigureOut">
               <a:rPr kumimoji="1" lang="ja-JP" altLang="en-US" smtClean="0"/>
-              <a:t>2016/5/4</a:t>
+              <a:t>2016/5/6</a:t>
             </a:fld>
             <a:endParaRPr kumimoji="1" lang="ja-JP" altLang="en-US"/>
           </a:p>
@@ -1413,7 +1414,7 @@
           <a:p>
             <a:fld id="{BDE6B29A-3B0B-4CF2-A9D6-582E4DDF12B3}" type="datetimeFigureOut">
               <a:rPr kumimoji="1" lang="ja-JP" altLang="en-US" smtClean="0"/>
-              <a:t>2016/5/4</a:t>
+              <a:t>2016/5/6</a:t>
             </a:fld>
             <a:endParaRPr kumimoji="1" lang="ja-JP" altLang="en-US"/>
           </a:p>
@@ -1844,7 +1845,7 @@
           <a:p>
             <a:fld id="{BDE6B29A-3B0B-4CF2-A9D6-582E4DDF12B3}" type="datetimeFigureOut">
               <a:rPr kumimoji="1" lang="ja-JP" altLang="en-US" smtClean="0"/>
-              <a:t>2016/5/4</a:t>
+              <a:t>2016/5/6</a:t>
             </a:fld>
             <a:endParaRPr kumimoji="1" lang="ja-JP" altLang="en-US"/>
           </a:p>
@@ -1962,7 +1963,7 @@
           <a:p>
             <a:fld id="{BDE6B29A-3B0B-4CF2-A9D6-582E4DDF12B3}" type="datetimeFigureOut">
               <a:rPr kumimoji="1" lang="ja-JP" altLang="en-US" smtClean="0"/>
-              <a:t>2016/5/4</a:t>
+              <a:t>2016/5/6</a:t>
             </a:fld>
             <a:endParaRPr kumimoji="1" lang="ja-JP" altLang="en-US"/>
           </a:p>
@@ -2057,7 +2058,7 @@
           <a:p>
             <a:fld id="{BDE6B29A-3B0B-4CF2-A9D6-582E4DDF12B3}" type="datetimeFigureOut">
               <a:rPr kumimoji="1" lang="ja-JP" altLang="en-US" smtClean="0"/>
-              <a:t>2016/5/4</a:t>
+              <a:t>2016/5/6</a:t>
             </a:fld>
             <a:endParaRPr kumimoji="1" lang="ja-JP" altLang="en-US"/>
           </a:p>
@@ -2366,7 +2367,7 @@
           <a:p>
             <a:fld id="{BDE6B29A-3B0B-4CF2-A9D6-582E4DDF12B3}" type="datetimeFigureOut">
               <a:rPr kumimoji="1" lang="ja-JP" altLang="en-US" smtClean="0"/>
-              <a:t>2016/5/4</a:t>
+              <a:t>2016/5/6</a:t>
             </a:fld>
             <a:endParaRPr kumimoji="1" lang="ja-JP" altLang="en-US"/>
           </a:p>
@@ -2619,7 +2620,7 @@
           <a:p>
             <a:fld id="{BDE6B29A-3B0B-4CF2-A9D6-582E4DDF12B3}" type="datetimeFigureOut">
               <a:rPr kumimoji="1" lang="ja-JP" altLang="en-US" smtClean="0"/>
-              <a:t>2016/5/4</a:t>
+              <a:t>2016/5/6</a:t>
             </a:fld>
             <a:endParaRPr kumimoji="1" lang="ja-JP" altLang="en-US"/>
           </a:p>
@@ -2864,7 +2865,7 @@
           <a:p>
             <a:fld id="{BDE6B29A-3B0B-4CF2-A9D6-582E4DDF12B3}" type="datetimeFigureOut">
               <a:rPr kumimoji="1" lang="ja-JP" altLang="en-US" smtClean="0"/>
-              <a:t>2016/5/4</a:t>
+              <a:t>2016/5/6</a:t>
             </a:fld>
             <a:endParaRPr kumimoji="1" lang="ja-JP" altLang="en-US"/>
           </a:p>
@@ -3603,6 +3604,59 @@
       </p:grpSpPr>
       <p:sp>
         <p:nvSpPr>
+          <p:cNvPr id="7" name="正方形/長方形 6"/>
+          <p:cNvSpPr/>
+          <p:nvPr/>
+        </p:nvSpPr>
+        <p:spPr>
+          <a:xfrm>
+            <a:off x="6186000" y="3069000"/>
+            <a:ext cx="1620000" cy="252000"/>
+          </a:xfrm>
+          <a:prstGeom prst="rect">
+            <a:avLst/>
+          </a:prstGeom>
+          <a:solidFill>
+            <a:srgbClr val="FF0000"/>
+          </a:solidFill>
+          <a:ln>
+            <a:noFill/>
+          </a:ln>
+          <a:scene3d>
+            <a:camera prst="orthographicFront"/>
+            <a:lightRig rig="threePt" dir="t"/>
+          </a:scene3d>
+          <a:sp3d>
+            <a:bevelT w="165100" prst="coolSlant"/>
+          </a:sp3d>
+        </p:spPr>
+        <p:style>
+          <a:lnRef idx="2">
+            <a:schemeClr val="accent1">
+              <a:shade val="50000"/>
+            </a:schemeClr>
+          </a:lnRef>
+          <a:fillRef idx="1">
+            <a:schemeClr val="accent1"/>
+          </a:fillRef>
+          <a:effectRef idx="0">
+            <a:schemeClr val="accent1"/>
+          </a:effectRef>
+          <a:fontRef idx="minor">
+            <a:schemeClr val="lt1"/>
+          </a:fontRef>
+        </p:style>
+        <p:txBody>
+          <a:bodyPr rtlCol="0" anchor="ctr"/>
+          <a:lstStyle/>
+          <a:p>
+            <a:pPr algn="ctr"/>
+            <a:endParaRPr kumimoji="1" lang="ja-JP" altLang="en-US"/>
+          </a:p>
+        </p:txBody>
+      </p:sp>
+      <p:sp>
+        <p:nvSpPr>
           <p:cNvPr id="2" name="正方形/長方形 1"/>
           <p:cNvSpPr/>
           <p:nvPr/>
@@ -3723,10 +3777,140 @@
           </a:fontRef>
         </p:style>
       </p:cxnSp>
+      <p:sp>
+        <p:nvSpPr>
+          <p:cNvPr id="5" name="正方形/長方形 4"/>
+          <p:cNvSpPr/>
+          <p:nvPr/>
+        </p:nvSpPr>
+        <p:spPr>
+          <a:xfrm>
+            <a:off x="6096000" y="3321000"/>
+            <a:ext cx="1800000" cy="108000"/>
+          </a:xfrm>
+          <a:prstGeom prst="rect">
+            <a:avLst/>
+          </a:prstGeom>
+          <a:scene3d>
+            <a:camera prst="orthographicFront"/>
+            <a:lightRig rig="threePt" dir="t"/>
+          </a:scene3d>
+          <a:sp3d>
+            <a:bevelT w="165100" prst="coolSlant"/>
+          </a:sp3d>
+        </p:spPr>
+        <p:style>
+          <a:lnRef idx="2">
+            <a:schemeClr val="accent1">
+              <a:shade val="50000"/>
+            </a:schemeClr>
+          </a:lnRef>
+          <a:fillRef idx="1">
+            <a:schemeClr val="accent1"/>
+          </a:fillRef>
+          <a:effectRef idx="0">
+            <a:schemeClr val="accent1"/>
+          </a:effectRef>
+          <a:fontRef idx="minor">
+            <a:schemeClr val="lt1"/>
+          </a:fontRef>
+        </p:style>
+        <p:txBody>
+          <a:bodyPr rtlCol="0" anchor="ctr"/>
+          <a:lstStyle/>
+          <a:p>
+            <a:pPr algn="ctr"/>
+            <a:endParaRPr kumimoji="1" lang="ja-JP" altLang="en-US"/>
+          </a:p>
+        </p:txBody>
+      </p:sp>
     </p:spTree>
     <p:extLst>
       <p:ext uri="{BB962C8B-B14F-4D97-AF65-F5344CB8AC3E}">
         <p14:creationId xmlns:p14="http://schemas.microsoft.com/office/powerpoint/2010/main" val="1794482231"/>
+      </p:ext>
+    </p:extLst>
+  </p:cSld>
+  <p:clrMapOvr>
+    <a:masterClrMapping/>
+  </p:clrMapOvr>
+</p:sld>
+</file>
+
+<file path=ppt/slides/slide3.xml><?xml version="1.0" encoding="utf-8"?>
+<p:sld xmlns:a="http://schemas.openxmlformats.org/drawingml/2006/main" xmlns:r="http://schemas.openxmlformats.org/officeDocument/2006/relationships" xmlns:p="http://schemas.openxmlformats.org/presentationml/2006/main">
+  <p:cSld>
+    <p:spTree>
+      <p:nvGrpSpPr>
+        <p:cNvPr id="1" name=""/>
+        <p:cNvGrpSpPr/>
+        <p:nvPr/>
+      </p:nvGrpSpPr>
+      <p:grpSpPr>
+        <a:xfrm>
+          <a:off x="0" y="0"/>
+          <a:ext cx="0" cy="0"/>
+          <a:chOff x="0" y="0"/>
+          <a:chExt cx="0" cy="0"/>
+        </a:xfrm>
+      </p:grpSpPr>
+      <p:sp>
+        <p:nvSpPr>
+          <p:cNvPr id="2" name="正方形/長方形 1"/>
+          <p:cNvSpPr/>
+          <p:nvPr/>
+        </p:nvSpPr>
+        <p:spPr>
+          <a:xfrm>
+            <a:off x="3972150" y="798732"/>
+            <a:ext cx="3600000" cy="3600000"/>
+          </a:xfrm>
+          <a:prstGeom prst="rect">
+            <a:avLst/>
+          </a:prstGeom>
+          <a:pattFill prst="lgCheck">
+            <a:fgClr>
+              <a:srgbClr val="FFFF00"/>
+            </a:fgClr>
+            <a:bgClr>
+              <a:schemeClr val="bg1"/>
+            </a:bgClr>
+          </a:pattFill>
+          <a:ln w="76200">
+            <a:solidFill>
+              <a:srgbClr val="FFC000"/>
+            </a:solidFill>
+          </a:ln>
+        </p:spPr>
+        <p:style>
+          <a:lnRef idx="2">
+            <a:schemeClr val="accent1">
+              <a:shade val="50000"/>
+            </a:schemeClr>
+          </a:lnRef>
+          <a:fillRef idx="1">
+            <a:schemeClr val="accent1"/>
+          </a:fillRef>
+          <a:effectRef idx="0">
+            <a:schemeClr val="accent1"/>
+          </a:effectRef>
+          <a:fontRef idx="minor">
+            <a:schemeClr val="lt1"/>
+          </a:fontRef>
+        </p:style>
+        <p:txBody>
+          <a:bodyPr rtlCol="0" anchor="ctr"/>
+          <a:lstStyle/>
+          <a:p>
+            <a:pPr algn="ctr"/>
+            <a:endParaRPr kumimoji="1" lang="ja-JP" altLang="en-US"/>
+          </a:p>
+        </p:txBody>
+      </p:sp>
+    </p:spTree>
+    <p:extLst>
+      <p:ext uri="{BB962C8B-B14F-4D97-AF65-F5344CB8AC3E}">
+        <p14:creationId xmlns:p14="http://schemas.microsoft.com/office/powerpoint/2010/main" val="66927973"/>
       </p:ext>
     </p:extLst>
   </p:cSld>
